--- a/Pictures/Figures/Figure 4.pptx
+++ b/Pictures/Figures/Figure 4.pptx
@@ -2,12 +2,12 @@
 <file path=ppt/presentation.xml><?xml version="1.0" encoding="utf-8"?>
 <p:presentation xmlns:a="http://schemas.openxmlformats.org/drawingml/2006/main" xmlns:r="http://schemas.openxmlformats.org/officeDocument/2006/relationships" xmlns:p="http://schemas.openxmlformats.org/presentationml/2006/main" saveSubsetFonts="1">
   <p:sldMasterIdLst>
-    <p:sldMasterId id="2147483660" r:id="rId1"/>
+    <p:sldMasterId id="2147483684" r:id="rId1"/>
   </p:sldMasterIdLst>
   <p:sldIdLst>
     <p:sldId id="256" r:id="rId2"/>
   </p:sldIdLst>
-  <p:sldSz cx="11320463" cy="4598988"/>
+  <p:sldSz cx="9144000" cy="6858000" type="screen4x3"/>
   <p:notesSz cx="6858000" cy="9144000"/>
   <p:defaultTextStyle>
     <a:defPPr>
@@ -141,15 +141,15 @@
         </p:nvSpPr>
         <p:spPr>
           <a:xfrm>
-            <a:off x="1415058" y="752659"/>
-            <a:ext cx="8490347" cy="1601129"/>
+            <a:off x="685800" y="1122363"/>
+            <a:ext cx="7772400" cy="2387600"/>
           </a:xfrm>
         </p:spPr>
         <p:txBody>
           <a:bodyPr anchor="b"/>
           <a:lstStyle>
             <a:lvl1pPr algn="ctr">
-              <a:defRPr sz="4024"/>
+              <a:defRPr sz="6000"/>
             </a:lvl1pPr>
           </a:lstStyle>
           <a:p>
@@ -173,8 +173,8 @@
         </p:nvSpPr>
         <p:spPr>
           <a:xfrm>
-            <a:off x="1415058" y="2415534"/>
-            <a:ext cx="8490347" cy="1110357"/>
+            <a:off x="1143000" y="3602038"/>
+            <a:ext cx="6858000" cy="1655762"/>
           </a:xfrm>
         </p:spPr>
         <p:txBody>
@@ -182,39 +182,39 @@
           <a:lstStyle>
             <a:lvl1pPr marL="0" indent="0" algn="ctr">
               <a:buNone/>
-              <a:defRPr sz="1609"/>
+              <a:defRPr sz="2400"/>
             </a:lvl1pPr>
-            <a:lvl2pPr marL="306598" indent="0" algn="ctr">
-              <a:buNone/>
-              <a:defRPr sz="1341"/>
+            <a:lvl2pPr marL="457200" indent="0" algn="ctr">
+              <a:buNone/>
+              <a:defRPr sz="2000"/>
             </a:lvl2pPr>
-            <a:lvl3pPr marL="613197" indent="0" algn="ctr">
-              <a:buNone/>
-              <a:defRPr sz="1207"/>
+            <a:lvl3pPr marL="914400" indent="0" algn="ctr">
+              <a:buNone/>
+              <a:defRPr sz="1800"/>
             </a:lvl3pPr>
-            <a:lvl4pPr marL="919795" indent="0" algn="ctr">
-              <a:buNone/>
-              <a:defRPr sz="1073"/>
+            <a:lvl4pPr marL="1371600" indent="0" algn="ctr">
+              <a:buNone/>
+              <a:defRPr sz="1600"/>
             </a:lvl4pPr>
-            <a:lvl5pPr marL="1226393" indent="0" algn="ctr">
-              <a:buNone/>
-              <a:defRPr sz="1073"/>
+            <a:lvl5pPr marL="1828800" indent="0" algn="ctr">
+              <a:buNone/>
+              <a:defRPr sz="1600"/>
             </a:lvl5pPr>
-            <a:lvl6pPr marL="1532992" indent="0" algn="ctr">
-              <a:buNone/>
-              <a:defRPr sz="1073"/>
+            <a:lvl6pPr marL="2286000" indent="0" algn="ctr">
+              <a:buNone/>
+              <a:defRPr sz="1600"/>
             </a:lvl6pPr>
-            <a:lvl7pPr marL="1839590" indent="0" algn="ctr">
-              <a:buNone/>
-              <a:defRPr sz="1073"/>
+            <a:lvl7pPr marL="2743200" indent="0" algn="ctr">
+              <a:buNone/>
+              <a:defRPr sz="1600"/>
             </a:lvl7pPr>
-            <a:lvl8pPr marL="2146188" indent="0" algn="ctr">
-              <a:buNone/>
-              <a:defRPr sz="1073"/>
+            <a:lvl8pPr marL="3200400" indent="0" algn="ctr">
+              <a:buNone/>
+              <a:defRPr sz="1600"/>
             </a:lvl8pPr>
-            <a:lvl9pPr marL="2452787" indent="0" algn="ctr">
-              <a:buNone/>
-              <a:defRPr sz="1073"/>
+            <a:lvl9pPr marL="3657600" indent="0" algn="ctr">
+              <a:buNone/>
+              <a:defRPr sz="1600"/>
             </a:lvl9pPr>
           </a:lstStyle>
           <a:p>
@@ -241,9 +241,9 @@
           <a:bodyPr/>
           <a:lstStyle/>
           <a:p>
-            <a:fld id="{7F5B0D31-1ADB-4B4E-ACBB-720D5B718FAA}" type="datetimeFigureOut">
+            <a:fld id="{BBE91FCD-5F32-4893-87F4-18E5763C05BB}" type="datetimeFigureOut">
               <a:rPr lang="en-US" smtClean="0"/>
-              <a:t>11/3/2022</a:t>
+              <a:t>11/13/2022</a:t>
             </a:fld>
             <a:endParaRPr lang="en-US"/>
           </a:p>
@@ -283,7 +283,7 @@
           <a:bodyPr/>
           <a:lstStyle/>
           <a:p>
-            <a:fld id="{EFEC1622-8CC9-4F00-80C4-DFC570F6CBD0}" type="slidenum">
+            <a:fld id="{B97B9177-721B-4D9E-8370-F7DE891ADD74}" type="slidenum">
               <a:rPr lang="en-US" smtClean="0"/>
               <a:t>‹#›</a:t>
             </a:fld>
@@ -294,7 +294,7 @@
     </p:spTree>
     <p:extLst>
       <p:ext uri="{BB962C8B-B14F-4D97-AF65-F5344CB8AC3E}">
-        <p14:creationId xmlns:p14="http://schemas.microsoft.com/office/powerpoint/2010/main" val="200502072"/>
+        <p14:creationId xmlns:p14="http://schemas.microsoft.com/office/powerpoint/2010/main" val="3012412905"/>
       </p:ext>
     </p:extLst>
   </p:cSld>
@@ -362,7 +362,7 @@
             <a:pPr lvl="0"/>
             <a:r>
               <a:rPr lang="en-US"/>
-              <a:t>Edit Master text styles</a:t>
+              <a:t>Click to edit Master text styles</a:t>
             </a:r>
           </a:p>
           <a:p>
@@ -411,9 +411,9 @@
           <a:bodyPr/>
           <a:lstStyle/>
           <a:p>
-            <a:fld id="{7F5B0D31-1ADB-4B4E-ACBB-720D5B718FAA}" type="datetimeFigureOut">
+            <a:fld id="{BBE91FCD-5F32-4893-87F4-18E5763C05BB}" type="datetimeFigureOut">
               <a:rPr lang="en-US" smtClean="0"/>
-              <a:t>11/3/2022</a:t>
+              <a:t>11/13/2022</a:t>
             </a:fld>
             <a:endParaRPr lang="en-US"/>
           </a:p>
@@ -453,7 +453,7 @@
           <a:bodyPr/>
           <a:lstStyle/>
           <a:p>
-            <a:fld id="{EFEC1622-8CC9-4F00-80C4-DFC570F6CBD0}" type="slidenum">
+            <a:fld id="{B97B9177-721B-4D9E-8370-F7DE891ADD74}" type="slidenum">
               <a:rPr lang="en-US" smtClean="0"/>
               <a:t>‹#›</a:t>
             </a:fld>
@@ -464,7 +464,7 @@
     </p:spTree>
     <p:extLst>
       <p:ext uri="{BB962C8B-B14F-4D97-AF65-F5344CB8AC3E}">
-        <p14:creationId xmlns:p14="http://schemas.microsoft.com/office/powerpoint/2010/main" val="229369917"/>
+        <p14:creationId xmlns:p14="http://schemas.microsoft.com/office/powerpoint/2010/main" val="858546423"/>
       </p:ext>
     </p:extLst>
   </p:cSld>
@@ -503,8 +503,8 @@
         </p:nvSpPr>
         <p:spPr>
           <a:xfrm>
-            <a:off x="8101206" y="244853"/>
-            <a:ext cx="2440975" cy="3897430"/>
+            <a:off x="6543675" y="365125"/>
+            <a:ext cx="1971675" cy="5811838"/>
           </a:xfrm>
         </p:spPr>
         <p:txBody>
@@ -531,8 +531,8 @@
         </p:nvSpPr>
         <p:spPr>
           <a:xfrm>
-            <a:off x="778282" y="244853"/>
-            <a:ext cx="7181419" cy="3897430"/>
+            <a:off x="628650" y="365125"/>
+            <a:ext cx="5800725" cy="5811838"/>
           </a:xfrm>
         </p:spPr>
         <p:txBody>
@@ -542,7 +542,7 @@
             <a:pPr lvl="0"/>
             <a:r>
               <a:rPr lang="en-US"/>
-              <a:t>Edit Master text styles</a:t>
+              <a:t>Click to edit Master text styles</a:t>
             </a:r>
           </a:p>
           <a:p>
@@ -591,9 +591,9 @@
           <a:bodyPr/>
           <a:lstStyle/>
           <a:p>
-            <a:fld id="{7F5B0D31-1ADB-4B4E-ACBB-720D5B718FAA}" type="datetimeFigureOut">
+            <a:fld id="{BBE91FCD-5F32-4893-87F4-18E5763C05BB}" type="datetimeFigureOut">
               <a:rPr lang="en-US" smtClean="0"/>
-              <a:t>11/3/2022</a:t>
+              <a:t>11/13/2022</a:t>
             </a:fld>
             <a:endParaRPr lang="en-US"/>
           </a:p>
@@ -633,7 +633,7 @@
           <a:bodyPr/>
           <a:lstStyle/>
           <a:p>
-            <a:fld id="{EFEC1622-8CC9-4F00-80C4-DFC570F6CBD0}" type="slidenum">
+            <a:fld id="{B97B9177-721B-4D9E-8370-F7DE891ADD74}" type="slidenum">
               <a:rPr lang="en-US" smtClean="0"/>
               <a:t>‹#›</a:t>
             </a:fld>
@@ -644,7 +644,7 @@
     </p:spTree>
     <p:extLst>
       <p:ext uri="{BB962C8B-B14F-4D97-AF65-F5344CB8AC3E}">
-        <p14:creationId xmlns:p14="http://schemas.microsoft.com/office/powerpoint/2010/main" val="3237981843"/>
+        <p14:creationId xmlns:p14="http://schemas.microsoft.com/office/powerpoint/2010/main" val="2276413734"/>
       </p:ext>
     </p:extLst>
   </p:cSld>
@@ -712,7 +712,7 @@
             <a:pPr lvl="0"/>
             <a:r>
               <a:rPr lang="en-US"/>
-              <a:t>Edit Master text styles</a:t>
+              <a:t>Click to edit Master text styles</a:t>
             </a:r>
           </a:p>
           <a:p>
@@ -761,9 +761,9 @@
           <a:bodyPr/>
           <a:lstStyle/>
           <a:p>
-            <a:fld id="{7F5B0D31-1ADB-4B4E-ACBB-720D5B718FAA}" type="datetimeFigureOut">
+            <a:fld id="{BBE91FCD-5F32-4893-87F4-18E5763C05BB}" type="datetimeFigureOut">
               <a:rPr lang="en-US" smtClean="0"/>
-              <a:t>11/3/2022</a:t>
+              <a:t>11/13/2022</a:t>
             </a:fld>
             <a:endParaRPr lang="en-US"/>
           </a:p>
@@ -803,7 +803,7 @@
           <a:bodyPr/>
           <a:lstStyle/>
           <a:p>
-            <a:fld id="{EFEC1622-8CC9-4F00-80C4-DFC570F6CBD0}" type="slidenum">
+            <a:fld id="{B97B9177-721B-4D9E-8370-F7DE891ADD74}" type="slidenum">
               <a:rPr lang="en-US" smtClean="0"/>
               <a:t>‹#›</a:t>
             </a:fld>
@@ -814,7 +814,7 @@
     </p:spTree>
     <p:extLst>
       <p:ext uri="{BB962C8B-B14F-4D97-AF65-F5344CB8AC3E}">
-        <p14:creationId xmlns:p14="http://schemas.microsoft.com/office/powerpoint/2010/main" val="191123557"/>
+        <p14:creationId xmlns:p14="http://schemas.microsoft.com/office/powerpoint/2010/main" val="3164631369"/>
       </p:ext>
     </p:extLst>
   </p:cSld>
@@ -853,15 +853,15 @@
         </p:nvSpPr>
         <p:spPr>
           <a:xfrm>
-            <a:off x="772386" y="1146554"/>
-            <a:ext cx="9763899" cy="1913051"/>
+            <a:off x="623888" y="1709739"/>
+            <a:ext cx="7886700" cy="2852737"/>
           </a:xfrm>
         </p:spPr>
         <p:txBody>
           <a:bodyPr anchor="b"/>
           <a:lstStyle>
             <a:lvl1pPr>
-              <a:defRPr sz="4024"/>
+              <a:defRPr sz="6000"/>
             </a:lvl1pPr>
           </a:lstStyle>
           <a:p>
@@ -885,8 +885,8 @@
         </p:nvSpPr>
         <p:spPr>
           <a:xfrm>
-            <a:off x="772386" y="3077703"/>
-            <a:ext cx="9763899" cy="1006028"/>
+            <a:off x="623888" y="4589464"/>
+            <a:ext cx="7886700" cy="1500187"/>
           </a:xfrm>
         </p:spPr>
         <p:txBody>
@@ -894,17 +894,15 @@
           <a:lstStyle>
             <a:lvl1pPr marL="0" indent="0">
               <a:buNone/>
-              <a:defRPr sz="1609">
+              <a:defRPr sz="2400">
                 <a:solidFill>
-                  <a:schemeClr val="tx1">
-                    <a:tint val="75000"/>
-                  </a:schemeClr>
+                  <a:schemeClr val="tx1"/>
                 </a:solidFill>
               </a:defRPr>
             </a:lvl1pPr>
-            <a:lvl2pPr marL="306598" indent="0">
-              <a:buNone/>
-              <a:defRPr sz="1341">
+            <a:lvl2pPr marL="457200" indent="0">
+              <a:buNone/>
+              <a:defRPr sz="2000">
                 <a:solidFill>
                   <a:schemeClr val="tx1">
                     <a:tint val="75000"/>
@@ -912,9 +910,9 @@
                 </a:solidFill>
               </a:defRPr>
             </a:lvl2pPr>
-            <a:lvl3pPr marL="613197" indent="0">
-              <a:buNone/>
-              <a:defRPr sz="1207">
+            <a:lvl3pPr marL="914400" indent="0">
+              <a:buNone/>
+              <a:defRPr sz="1800">
                 <a:solidFill>
                   <a:schemeClr val="tx1">
                     <a:tint val="75000"/>
@@ -922,9 +920,9 @@
                 </a:solidFill>
               </a:defRPr>
             </a:lvl3pPr>
-            <a:lvl4pPr marL="919795" indent="0">
-              <a:buNone/>
-              <a:defRPr sz="1073">
+            <a:lvl4pPr marL="1371600" indent="0">
+              <a:buNone/>
+              <a:defRPr sz="1600">
                 <a:solidFill>
                   <a:schemeClr val="tx1">
                     <a:tint val="75000"/>
@@ -932,9 +930,9 @@
                 </a:solidFill>
               </a:defRPr>
             </a:lvl4pPr>
-            <a:lvl5pPr marL="1226393" indent="0">
-              <a:buNone/>
-              <a:defRPr sz="1073">
+            <a:lvl5pPr marL="1828800" indent="0">
+              <a:buNone/>
+              <a:defRPr sz="1600">
                 <a:solidFill>
                   <a:schemeClr val="tx1">
                     <a:tint val="75000"/>
@@ -942,9 +940,9 @@
                 </a:solidFill>
               </a:defRPr>
             </a:lvl5pPr>
-            <a:lvl6pPr marL="1532992" indent="0">
-              <a:buNone/>
-              <a:defRPr sz="1073">
+            <a:lvl6pPr marL="2286000" indent="0">
+              <a:buNone/>
+              <a:defRPr sz="1600">
                 <a:solidFill>
                   <a:schemeClr val="tx1">
                     <a:tint val="75000"/>
@@ -952,9 +950,9 @@
                 </a:solidFill>
               </a:defRPr>
             </a:lvl6pPr>
-            <a:lvl7pPr marL="1839590" indent="0">
-              <a:buNone/>
-              <a:defRPr sz="1073">
+            <a:lvl7pPr marL="2743200" indent="0">
+              <a:buNone/>
+              <a:defRPr sz="1600">
                 <a:solidFill>
                   <a:schemeClr val="tx1">
                     <a:tint val="75000"/>
@@ -962,9 +960,9 @@
                 </a:solidFill>
               </a:defRPr>
             </a:lvl7pPr>
-            <a:lvl8pPr marL="2146188" indent="0">
-              <a:buNone/>
-              <a:defRPr sz="1073">
+            <a:lvl8pPr marL="3200400" indent="0">
+              <a:buNone/>
+              <a:defRPr sz="1600">
                 <a:solidFill>
                   <a:schemeClr val="tx1">
                     <a:tint val="75000"/>
@@ -972,9 +970,9 @@
                 </a:solidFill>
               </a:defRPr>
             </a:lvl8pPr>
-            <a:lvl9pPr marL="2452787" indent="0">
-              <a:buNone/>
-              <a:defRPr sz="1073">
+            <a:lvl9pPr marL="3657600" indent="0">
+              <a:buNone/>
+              <a:defRPr sz="1600">
                 <a:solidFill>
                   <a:schemeClr val="tx1">
                     <a:tint val="75000"/>
@@ -987,7 +985,7 @@
             <a:pPr lvl="0"/>
             <a:r>
               <a:rPr lang="en-US"/>
-              <a:t>Edit Master text styles</a:t>
+              <a:t>Click to edit Master text styles</a:t>
             </a:r>
           </a:p>
         </p:txBody>
@@ -1007,9 +1005,9 @@
           <a:bodyPr/>
           <a:lstStyle/>
           <a:p>
-            <a:fld id="{7F5B0D31-1ADB-4B4E-ACBB-720D5B718FAA}" type="datetimeFigureOut">
+            <a:fld id="{BBE91FCD-5F32-4893-87F4-18E5763C05BB}" type="datetimeFigureOut">
               <a:rPr lang="en-US" smtClean="0"/>
-              <a:t>11/3/2022</a:t>
+              <a:t>11/13/2022</a:t>
             </a:fld>
             <a:endParaRPr lang="en-US"/>
           </a:p>
@@ -1049,7 +1047,7 @@
           <a:bodyPr/>
           <a:lstStyle/>
           <a:p>
-            <a:fld id="{EFEC1622-8CC9-4F00-80C4-DFC570F6CBD0}" type="slidenum">
+            <a:fld id="{B97B9177-721B-4D9E-8370-F7DE891ADD74}" type="slidenum">
               <a:rPr lang="en-US" smtClean="0"/>
               <a:t>‹#›</a:t>
             </a:fld>
@@ -1060,7 +1058,7 @@
     </p:spTree>
     <p:extLst>
       <p:ext uri="{BB962C8B-B14F-4D97-AF65-F5344CB8AC3E}">
-        <p14:creationId xmlns:p14="http://schemas.microsoft.com/office/powerpoint/2010/main" val="3284897321"/>
+        <p14:creationId xmlns:p14="http://schemas.microsoft.com/office/powerpoint/2010/main" val="167138719"/>
       </p:ext>
     </p:extLst>
   </p:cSld>
@@ -1122,8 +1120,8 @@
         </p:nvSpPr>
         <p:spPr>
           <a:xfrm>
-            <a:off x="778282" y="1224267"/>
-            <a:ext cx="4811197" cy="2918016"/>
+            <a:off x="628650" y="1825625"/>
+            <a:ext cx="3886200" cy="4351338"/>
           </a:xfrm>
         </p:spPr>
         <p:txBody>
@@ -1133,7 +1131,7 @@
             <a:pPr lvl="0"/>
             <a:r>
               <a:rPr lang="en-US"/>
-              <a:t>Edit Master text styles</a:t>
+              <a:t>Click to edit Master text styles</a:t>
             </a:r>
           </a:p>
           <a:p>
@@ -1179,8 +1177,8 @@
         </p:nvSpPr>
         <p:spPr>
           <a:xfrm>
-            <a:off x="5730984" y="1224267"/>
-            <a:ext cx="4811197" cy="2918016"/>
+            <a:off x="4629150" y="1825625"/>
+            <a:ext cx="3886200" cy="4351338"/>
           </a:xfrm>
         </p:spPr>
         <p:txBody>
@@ -1190,7 +1188,7 @@
             <a:pPr lvl="0"/>
             <a:r>
               <a:rPr lang="en-US"/>
-              <a:t>Edit Master text styles</a:t>
+              <a:t>Click to edit Master text styles</a:t>
             </a:r>
           </a:p>
           <a:p>
@@ -1239,9 +1237,9 @@
           <a:bodyPr/>
           <a:lstStyle/>
           <a:p>
-            <a:fld id="{7F5B0D31-1ADB-4B4E-ACBB-720D5B718FAA}" type="datetimeFigureOut">
+            <a:fld id="{BBE91FCD-5F32-4893-87F4-18E5763C05BB}" type="datetimeFigureOut">
               <a:rPr lang="en-US" smtClean="0"/>
-              <a:t>11/3/2022</a:t>
+              <a:t>11/13/2022</a:t>
             </a:fld>
             <a:endParaRPr lang="en-US"/>
           </a:p>
@@ -1281,7 +1279,7 @@
           <a:bodyPr/>
           <a:lstStyle/>
           <a:p>
-            <a:fld id="{EFEC1622-8CC9-4F00-80C4-DFC570F6CBD0}" type="slidenum">
+            <a:fld id="{B97B9177-721B-4D9E-8370-F7DE891ADD74}" type="slidenum">
               <a:rPr lang="en-US" smtClean="0"/>
               <a:t>‹#›</a:t>
             </a:fld>
@@ -1292,7 +1290,7 @@
     </p:spTree>
     <p:extLst>
       <p:ext uri="{BB962C8B-B14F-4D97-AF65-F5344CB8AC3E}">
-        <p14:creationId xmlns:p14="http://schemas.microsoft.com/office/powerpoint/2010/main" val="2908777711"/>
+        <p14:creationId xmlns:p14="http://schemas.microsoft.com/office/powerpoint/2010/main" val="3980762879"/>
       </p:ext>
     </p:extLst>
   </p:cSld>
@@ -1331,8 +1329,8 @@
         </p:nvSpPr>
         <p:spPr>
           <a:xfrm>
-            <a:off x="779756" y="244854"/>
-            <a:ext cx="9763899" cy="888925"/>
+            <a:off x="629841" y="365126"/>
+            <a:ext cx="7886700" cy="1325563"/>
           </a:xfrm>
         </p:spPr>
         <p:txBody>
@@ -1359,8 +1357,8 @@
         </p:nvSpPr>
         <p:spPr>
           <a:xfrm>
-            <a:off x="779757" y="1127391"/>
-            <a:ext cx="4789086" cy="552517"/>
+            <a:off x="629842" y="1681163"/>
+            <a:ext cx="3868340" cy="823912"/>
           </a:xfrm>
         </p:spPr>
         <p:txBody>
@@ -1368,46 +1366,46 @@
           <a:lstStyle>
             <a:lvl1pPr marL="0" indent="0">
               <a:buNone/>
-              <a:defRPr sz="1609" b="1"/>
+              <a:defRPr sz="2400" b="1"/>
             </a:lvl1pPr>
-            <a:lvl2pPr marL="306598" indent="0">
-              <a:buNone/>
-              <a:defRPr sz="1341" b="1"/>
+            <a:lvl2pPr marL="457200" indent="0">
+              <a:buNone/>
+              <a:defRPr sz="2000" b="1"/>
             </a:lvl2pPr>
-            <a:lvl3pPr marL="613197" indent="0">
-              <a:buNone/>
-              <a:defRPr sz="1207" b="1"/>
+            <a:lvl3pPr marL="914400" indent="0">
+              <a:buNone/>
+              <a:defRPr sz="1800" b="1"/>
             </a:lvl3pPr>
-            <a:lvl4pPr marL="919795" indent="0">
-              <a:buNone/>
-              <a:defRPr sz="1073" b="1"/>
+            <a:lvl4pPr marL="1371600" indent="0">
+              <a:buNone/>
+              <a:defRPr sz="1600" b="1"/>
             </a:lvl4pPr>
-            <a:lvl5pPr marL="1226393" indent="0">
-              <a:buNone/>
-              <a:defRPr sz="1073" b="1"/>
+            <a:lvl5pPr marL="1828800" indent="0">
+              <a:buNone/>
+              <a:defRPr sz="1600" b="1"/>
             </a:lvl5pPr>
-            <a:lvl6pPr marL="1532992" indent="0">
-              <a:buNone/>
-              <a:defRPr sz="1073" b="1"/>
+            <a:lvl6pPr marL="2286000" indent="0">
+              <a:buNone/>
+              <a:defRPr sz="1600" b="1"/>
             </a:lvl6pPr>
-            <a:lvl7pPr marL="1839590" indent="0">
-              <a:buNone/>
-              <a:defRPr sz="1073" b="1"/>
+            <a:lvl7pPr marL="2743200" indent="0">
+              <a:buNone/>
+              <a:defRPr sz="1600" b="1"/>
             </a:lvl7pPr>
-            <a:lvl8pPr marL="2146188" indent="0">
-              <a:buNone/>
-              <a:defRPr sz="1073" b="1"/>
+            <a:lvl8pPr marL="3200400" indent="0">
+              <a:buNone/>
+              <a:defRPr sz="1600" b="1"/>
             </a:lvl8pPr>
-            <a:lvl9pPr marL="2452787" indent="0">
-              <a:buNone/>
-              <a:defRPr sz="1073" b="1"/>
+            <a:lvl9pPr marL="3657600" indent="0">
+              <a:buNone/>
+              <a:defRPr sz="1600" b="1"/>
             </a:lvl9pPr>
           </a:lstStyle>
           <a:p>
             <a:pPr lvl="0"/>
             <a:r>
               <a:rPr lang="en-US"/>
-              <a:t>Edit Master text styles</a:t>
+              <a:t>Click to edit Master text styles</a:t>
             </a:r>
           </a:p>
         </p:txBody>
@@ -1424,8 +1422,8 @@
         </p:nvSpPr>
         <p:spPr>
           <a:xfrm>
-            <a:off x="779757" y="1679908"/>
-            <a:ext cx="4789086" cy="2470892"/>
+            <a:off x="629842" y="2505075"/>
+            <a:ext cx="3868340" cy="3684588"/>
           </a:xfrm>
         </p:spPr>
         <p:txBody>
@@ -1435,7 +1433,7 @@
             <a:pPr lvl="0"/>
             <a:r>
               <a:rPr lang="en-US"/>
-              <a:t>Edit Master text styles</a:t>
+              <a:t>Click to edit Master text styles</a:t>
             </a:r>
           </a:p>
           <a:p>
@@ -1481,8 +1479,8 @@
         </p:nvSpPr>
         <p:spPr>
           <a:xfrm>
-            <a:off x="5730985" y="1127391"/>
-            <a:ext cx="4812671" cy="552517"/>
+            <a:off x="4629150" y="1681163"/>
+            <a:ext cx="3887391" cy="823912"/>
           </a:xfrm>
         </p:spPr>
         <p:txBody>
@@ -1490,46 +1488,46 @@
           <a:lstStyle>
             <a:lvl1pPr marL="0" indent="0">
               <a:buNone/>
-              <a:defRPr sz="1609" b="1"/>
+              <a:defRPr sz="2400" b="1"/>
             </a:lvl1pPr>
-            <a:lvl2pPr marL="306598" indent="0">
-              <a:buNone/>
-              <a:defRPr sz="1341" b="1"/>
+            <a:lvl2pPr marL="457200" indent="0">
+              <a:buNone/>
+              <a:defRPr sz="2000" b="1"/>
             </a:lvl2pPr>
-            <a:lvl3pPr marL="613197" indent="0">
-              <a:buNone/>
-              <a:defRPr sz="1207" b="1"/>
+            <a:lvl3pPr marL="914400" indent="0">
+              <a:buNone/>
+              <a:defRPr sz="1800" b="1"/>
             </a:lvl3pPr>
-            <a:lvl4pPr marL="919795" indent="0">
-              <a:buNone/>
-              <a:defRPr sz="1073" b="1"/>
+            <a:lvl4pPr marL="1371600" indent="0">
+              <a:buNone/>
+              <a:defRPr sz="1600" b="1"/>
             </a:lvl4pPr>
-            <a:lvl5pPr marL="1226393" indent="0">
-              <a:buNone/>
-              <a:defRPr sz="1073" b="1"/>
+            <a:lvl5pPr marL="1828800" indent="0">
+              <a:buNone/>
+              <a:defRPr sz="1600" b="1"/>
             </a:lvl5pPr>
-            <a:lvl6pPr marL="1532992" indent="0">
-              <a:buNone/>
-              <a:defRPr sz="1073" b="1"/>
+            <a:lvl6pPr marL="2286000" indent="0">
+              <a:buNone/>
+              <a:defRPr sz="1600" b="1"/>
             </a:lvl6pPr>
-            <a:lvl7pPr marL="1839590" indent="0">
-              <a:buNone/>
-              <a:defRPr sz="1073" b="1"/>
+            <a:lvl7pPr marL="2743200" indent="0">
+              <a:buNone/>
+              <a:defRPr sz="1600" b="1"/>
             </a:lvl7pPr>
-            <a:lvl8pPr marL="2146188" indent="0">
-              <a:buNone/>
-              <a:defRPr sz="1073" b="1"/>
+            <a:lvl8pPr marL="3200400" indent="0">
+              <a:buNone/>
+              <a:defRPr sz="1600" b="1"/>
             </a:lvl8pPr>
-            <a:lvl9pPr marL="2452787" indent="0">
-              <a:buNone/>
-              <a:defRPr sz="1073" b="1"/>
+            <a:lvl9pPr marL="3657600" indent="0">
+              <a:buNone/>
+              <a:defRPr sz="1600" b="1"/>
             </a:lvl9pPr>
           </a:lstStyle>
           <a:p>
             <a:pPr lvl="0"/>
             <a:r>
               <a:rPr lang="en-US"/>
-              <a:t>Edit Master text styles</a:t>
+              <a:t>Click to edit Master text styles</a:t>
             </a:r>
           </a:p>
         </p:txBody>
@@ -1546,8 +1544,8 @@
         </p:nvSpPr>
         <p:spPr>
           <a:xfrm>
-            <a:off x="5730985" y="1679908"/>
-            <a:ext cx="4812671" cy="2470892"/>
+            <a:off x="4629150" y="2505075"/>
+            <a:ext cx="3887391" cy="3684588"/>
           </a:xfrm>
         </p:spPr>
         <p:txBody>
@@ -1557,7 +1555,7 @@
             <a:pPr lvl="0"/>
             <a:r>
               <a:rPr lang="en-US"/>
-              <a:t>Edit Master text styles</a:t>
+              <a:t>Click to edit Master text styles</a:t>
             </a:r>
           </a:p>
           <a:p>
@@ -1606,9 +1604,9 @@
           <a:bodyPr/>
           <a:lstStyle/>
           <a:p>
-            <a:fld id="{7F5B0D31-1ADB-4B4E-ACBB-720D5B718FAA}" type="datetimeFigureOut">
+            <a:fld id="{BBE91FCD-5F32-4893-87F4-18E5763C05BB}" type="datetimeFigureOut">
               <a:rPr lang="en-US" smtClean="0"/>
-              <a:t>11/3/2022</a:t>
+              <a:t>11/13/2022</a:t>
             </a:fld>
             <a:endParaRPr lang="en-US"/>
           </a:p>
@@ -1648,7 +1646,7 @@
           <a:bodyPr/>
           <a:lstStyle/>
           <a:p>
-            <a:fld id="{EFEC1622-8CC9-4F00-80C4-DFC570F6CBD0}" type="slidenum">
+            <a:fld id="{B97B9177-721B-4D9E-8370-F7DE891ADD74}" type="slidenum">
               <a:rPr lang="en-US" smtClean="0"/>
               <a:t>‹#›</a:t>
             </a:fld>
@@ -1659,7 +1657,7 @@
     </p:spTree>
     <p:extLst>
       <p:ext uri="{BB962C8B-B14F-4D97-AF65-F5344CB8AC3E}">
-        <p14:creationId xmlns:p14="http://schemas.microsoft.com/office/powerpoint/2010/main" val="3462160552"/>
+        <p14:creationId xmlns:p14="http://schemas.microsoft.com/office/powerpoint/2010/main" val="1884849623"/>
       </p:ext>
     </p:extLst>
   </p:cSld>
@@ -1724,9 +1722,9 @@
           <a:bodyPr/>
           <a:lstStyle/>
           <a:p>
-            <a:fld id="{7F5B0D31-1ADB-4B4E-ACBB-720D5B718FAA}" type="datetimeFigureOut">
+            <a:fld id="{BBE91FCD-5F32-4893-87F4-18E5763C05BB}" type="datetimeFigureOut">
               <a:rPr lang="en-US" smtClean="0"/>
-              <a:t>11/3/2022</a:t>
+              <a:t>11/13/2022</a:t>
             </a:fld>
             <a:endParaRPr lang="en-US"/>
           </a:p>
@@ -1766,7 +1764,7 @@
           <a:bodyPr/>
           <a:lstStyle/>
           <a:p>
-            <a:fld id="{EFEC1622-8CC9-4F00-80C4-DFC570F6CBD0}" type="slidenum">
+            <a:fld id="{B97B9177-721B-4D9E-8370-F7DE891ADD74}" type="slidenum">
               <a:rPr lang="en-US" smtClean="0"/>
               <a:t>‹#›</a:t>
             </a:fld>
@@ -1777,7 +1775,7 @@
     </p:spTree>
     <p:extLst>
       <p:ext uri="{BB962C8B-B14F-4D97-AF65-F5344CB8AC3E}">
-        <p14:creationId xmlns:p14="http://schemas.microsoft.com/office/powerpoint/2010/main" val="451797562"/>
+        <p14:creationId xmlns:p14="http://schemas.microsoft.com/office/powerpoint/2010/main" val="4290893662"/>
       </p:ext>
     </p:extLst>
   </p:cSld>
@@ -1819,9 +1817,9 @@
           <a:bodyPr/>
           <a:lstStyle/>
           <a:p>
-            <a:fld id="{7F5B0D31-1ADB-4B4E-ACBB-720D5B718FAA}" type="datetimeFigureOut">
+            <a:fld id="{BBE91FCD-5F32-4893-87F4-18E5763C05BB}" type="datetimeFigureOut">
               <a:rPr lang="en-US" smtClean="0"/>
-              <a:t>11/3/2022</a:t>
+              <a:t>11/13/2022</a:t>
             </a:fld>
             <a:endParaRPr lang="en-US"/>
           </a:p>
@@ -1861,7 +1859,7 @@
           <a:bodyPr/>
           <a:lstStyle/>
           <a:p>
-            <a:fld id="{EFEC1622-8CC9-4F00-80C4-DFC570F6CBD0}" type="slidenum">
+            <a:fld id="{B97B9177-721B-4D9E-8370-F7DE891ADD74}" type="slidenum">
               <a:rPr lang="en-US" smtClean="0"/>
               <a:t>‹#›</a:t>
             </a:fld>
@@ -1872,7 +1870,7 @@
     </p:spTree>
     <p:extLst>
       <p:ext uri="{BB962C8B-B14F-4D97-AF65-F5344CB8AC3E}">
-        <p14:creationId xmlns:p14="http://schemas.microsoft.com/office/powerpoint/2010/main" val="3269333175"/>
+        <p14:creationId xmlns:p14="http://schemas.microsoft.com/office/powerpoint/2010/main" val="1145573210"/>
       </p:ext>
     </p:extLst>
   </p:cSld>
@@ -1911,15 +1909,15 @@
         </p:nvSpPr>
         <p:spPr>
           <a:xfrm>
-            <a:off x="779757" y="306599"/>
-            <a:ext cx="3651144" cy="1073097"/>
+            <a:off x="629841" y="457200"/>
+            <a:ext cx="2949178" cy="1600200"/>
           </a:xfrm>
         </p:spPr>
         <p:txBody>
           <a:bodyPr anchor="b"/>
           <a:lstStyle>
             <a:lvl1pPr>
-              <a:defRPr sz="2146"/>
+              <a:defRPr sz="3200"/>
             </a:lvl1pPr>
           </a:lstStyle>
           <a:p>
@@ -1943,46 +1941,46 @@
         </p:nvSpPr>
         <p:spPr>
           <a:xfrm>
-            <a:off x="4812671" y="662170"/>
-            <a:ext cx="5730984" cy="3268262"/>
+            <a:off x="3887391" y="987426"/>
+            <a:ext cx="4629150" cy="4873625"/>
           </a:xfrm>
         </p:spPr>
         <p:txBody>
           <a:bodyPr/>
           <a:lstStyle>
             <a:lvl1pPr>
-              <a:defRPr sz="2146"/>
+              <a:defRPr sz="3200"/>
             </a:lvl1pPr>
             <a:lvl2pPr>
-              <a:defRPr sz="1878"/>
+              <a:defRPr sz="2800"/>
             </a:lvl2pPr>
             <a:lvl3pPr>
-              <a:defRPr sz="1609"/>
+              <a:defRPr sz="2400"/>
             </a:lvl3pPr>
             <a:lvl4pPr>
-              <a:defRPr sz="1341"/>
+              <a:defRPr sz="2000"/>
             </a:lvl4pPr>
             <a:lvl5pPr>
-              <a:defRPr sz="1341"/>
+              <a:defRPr sz="2000"/>
             </a:lvl5pPr>
             <a:lvl6pPr>
-              <a:defRPr sz="1341"/>
+              <a:defRPr sz="2000"/>
             </a:lvl6pPr>
             <a:lvl7pPr>
-              <a:defRPr sz="1341"/>
+              <a:defRPr sz="2000"/>
             </a:lvl7pPr>
             <a:lvl8pPr>
-              <a:defRPr sz="1341"/>
+              <a:defRPr sz="2000"/>
             </a:lvl8pPr>
             <a:lvl9pPr>
-              <a:defRPr sz="1341"/>
+              <a:defRPr sz="2000"/>
             </a:lvl9pPr>
           </a:lstStyle>
           <a:p>
             <a:pPr lvl="0"/>
             <a:r>
               <a:rPr lang="en-US"/>
-              <a:t>Edit Master text styles</a:t>
+              <a:t>Click to edit Master text styles</a:t>
             </a:r>
           </a:p>
           <a:p>
@@ -2028,8 +2026,8 @@
         </p:nvSpPr>
         <p:spPr>
           <a:xfrm>
-            <a:off x="779757" y="1379697"/>
-            <a:ext cx="3651144" cy="2556058"/>
+            <a:off x="629841" y="2057400"/>
+            <a:ext cx="2949178" cy="3811588"/>
           </a:xfrm>
         </p:spPr>
         <p:txBody>
@@ -2037,46 +2035,46 @@
           <a:lstStyle>
             <a:lvl1pPr marL="0" indent="0">
               <a:buNone/>
-              <a:defRPr sz="1073"/>
+              <a:defRPr sz="1600"/>
             </a:lvl1pPr>
-            <a:lvl2pPr marL="306598" indent="0">
-              <a:buNone/>
-              <a:defRPr sz="939"/>
+            <a:lvl2pPr marL="457200" indent="0">
+              <a:buNone/>
+              <a:defRPr sz="1400"/>
             </a:lvl2pPr>
-            <a:lvl3pPr marL="613197" indent="0">
-              <a:buNone/>
-              <a:defRPr sz="805"/>
+            <a:lvl3pPr marL="914400" indent="0">
+              <a:buNone/>
+              <a:defRPr sz="1200"/>
             </a:lvl3pPr>
-            <a:lvl4pPr marL="919795" indent="0">
-              <a:buNone/>
-              <a:defRPr sz="671"/>
+            <a:lvl4pPr marL="1371600" indent="0">
+              <a:buNone/>
+              <a:defRPr sz="1000"/>
             </a:lvl4pPr>
-            <a:lvl5pPr marL="1226393" indent="0">
-              <a:buNone/>
-              <a:defRPr sz="671"/>
+            <a:lvl5pPr marL="1828800" indent="0">
+              <a:buNone/>
+              <a:defRPr sz="1000"/>
             </a:lvl5pPr>
-            <a:lvl6pPr marL="1532992" indent="0">
-              <a:buNone/>
-              <a:defRPr sz="671"/>
+            <a:lvl6pPr marL="2286000" indent="0">
+              <a:buNone/>
+              <a:defRPr sz="1000"/>
             </a:lvl6pPr>
-            <a:lvl7pPr marL="1839590" indent="0">
-              <a:buNone/>
-              <a:defRPr sz="671"/>
+            <a:lvl7pPr marL="2743200" indent="0">
+              <a:buNone/>
+              <a:defRPr sz="1000"/>
             </a:lvl7pPr>
-            <a:lvl8pPr marL="2146188" indent="0">
-              <a:buNone/>
-              <a:defRPr sz="671"/>
+            <a:lvl8pPr marL="3200400" indent="0">
+              <a:buNone/>
+              <a:defRPr sz="1000"/>
             </a:lvl8pPr>
-            <a:lvl9pPr marL="2452787" indent="0">
-              <a:buNone/>
-              <a:defRPr sz="671"/>
+            <a:lvl9pPr marL="3657600" indent="0">
+              <a:buNone/>
+              <a:defRPr sz="1000"/>
             </a:lvl9pPr>
           </a:lstStyle>
           <a:p>
             <a:pPr lvl="0"/>
             <a:r>
               <a:rPr lang="en-US"/>
-              <a:t>Edit Master text styles</a:t>
+              <a:t>Click to edit Master text styles</a:t>
             </a:r>
           </a:p>
         </p:txBody>
@@ -2096,9 +2094,9 @@
           <a:bodyPr/>
           <a:lstStyle/>
           <a:p>
-            <a:fld id="{7F5B0D31-1ADB-4B4E-ACBB-720D5B718FAA}" type="datetimeFigureOut">
+            <a:fld id="{BBE91FCD-5F32-4893-87F4-18E5763C05BB}" type="datetimeFigureOut">
               <a:rPr lang="en-US" smtClean="0"/>
-              <a:t>11/3/2022</a:t>
+              <a:t>11/13/2022</a:t>
             </a:fld>
             <a:endParaRPr lang="en-US"/>
           </a:p>
@@ -2138,7 +2136,7 @@
           <a:bodyPr/>
           <a:lstStyle/>
           <a:p>
-            <a:fld id="{EFEC1622-8CC9-4F00-80C4-DFC570F6CBD0}" type="slidenum">
+            <a:fld id="{B97B9177-721B-4D9E-8370-F7DE891ADD74}" type="slidenum">
               <a:rPr lang="en-US" smtClean="0"/>
               <a:t>‹#›</a:t>
             </a:fld>
@@ -2149,7 +2147,7 @@
     </p:spTree>
     <p:extLst>
       <p:ext uri="{BB962C8B-B14F-4D97-AF65-F5344CB8AC3E}">
-        <p14:creationId xmlns:p14="http://schemas.microsoft.com/office/powerpoint/2010/main" val="4134306356"/>
+        <p14:creationId xmlns:p14="http://schemas.microsoft.com/office/powerpoint/2010/main" val="1957115727"/>
       </p:ext>
     </p:extLst>
   </p:cSld>
@@ -2188,15 +2186,15 @@
         </p:nvSpPr>
         <p:spPr>
           <a:xfrm>
-            <a:off x="779757" y="306599"/>
-            <a:ext cx="3651144" cy="1073097"/>
+            <a:off x="629841" y="457200"/>
+            <a:ext cx="2949178" cy="1600200"/>
           </a:xfrm>
         </p:spPr>
         <p:txBody>
           <a:bodyPr anchor="b"/>
           <a:lstStyle>
             <a:lvl1pPr>
-              <a:defRPr sz="2146"/>
+              <a:defRPr sz="3200"/>
             </a:lvl1pPr>
           </a:lstStyle>
           <a:p>
@@ -2220,8 +2218,8 @@
         </p:nvSpPr>
         <p:spPr>
           <a:xfrm>
-            <a:off x="4812671" y="662170"/>
-            <a:ext cx="5730984" cy="3268262"/>
+            <a:off x="3887391" y="987426"/>
+            <a:ext cx="4629150" cy="4873625"/>
           </a:xfrm>
         </p:spPr>
         <p:txBody>
@@ -2229,39 +2227,39 @@
           <a:lstStyle>
             <a:lvl1pPr marL="0" indent="0">
               <a:buNone/>
-              <a:defRPr sz="2146"/>
+              <a:defRPr sz="3200"/>
             </a:lvl1pPr>
-            <a:lvl2pPr marL="306598" indent="0">
-              <a:buNone/>
-              <a:defRPr sz="1878"/>
+            <a:lvl2pPr marL="457200" indent="0">
+              <a:buNone/>
+              <a:defRPr sz="2800"/>
             </a:lvl2pPr>
-            <a:lvl3pPr marL="613197" indent="0">
-              <a:buNone/>
-              <a:defRPr sz="1609"/>
+            <a:lvl3pPr marL="914400" indent="0">
+              <a:buNone/>
+              <a:defRPr sz="2400"/>
             </a:lvl3pPr>
-            <a:lvl4pPr marL="919795" indent="0">
-              <a:buNone/>
-              <a:defRPr sz="1341"/>
+            <a:lvl4pPr marL="1371600" indent="0">
+              <a:buNone/>
+              <a:defRPr sz="2000"/>
             </a:lvl4pPr>
-            <a:lvl5pPr marL="1226393" indent="0">
-              <a:buNone/>
-              <a:defRPr sz="1341"/>
+            <a:lvl5pPr marL="1828800" indent="0">
+              <a:buNone/>
+              <a:defRPr sz="2000"/>
             </a:lvl5pPr>
-            <a:lvl6pPr marL="1532992" indent="0">
-              <a:buNone/>
-              <a:defRPr sz="1341"/>
+            <a:lvl6pPr marL="2286000" indent="0">
+              <a:buNone/>
+              <a:defRPr sz="2000"/>
             </a:lvl6pPr>
-            <a:lvl7pPr marL="1839590" indent="0">
-              <a:buNone/>
-              <a:defRPr sz="1341"/>
+            <a:lvl7pPr marL="2743200" indent="0">
+              <a:buNone/>
+              <a:defRPr sz="2000"/>
             </a:lvl7pPr>
-            <a:lvl8pPr marL="2146188" indent="0">
-              <a:buNone/>
-              <a:defRPr sz="1341"/>
+            <a:lvl8pPr marL="3200400" indent="0">
+              <a:buNone/>
+              <a:defRPr sz="2000"/>
             </a:lvl8pPr>
-            <a:lvl9pPr marL="2452787" indent="0">
-              <a:buNone/>
-              <a:defRPr sz="1341"/>
+            <a:lvl9pPr marL="3657600" indent="0">
+              <a:buNone/>
+              <a:defRPr sz="2000"/>
             </a:lvl9pPr>
           </a:lstStyle>
           <a:p>
@@ -2285,8 +2283,8 @@
         </p:nvSpPr>
         <p:spPr>
           <a:xfrm>
-            <a:off x="779757" y="1379697"/>
-            <a:ext cx="3651144" cy="2556058"/>
+            <a:off x="629841" y="2057400"/>
+            <a:ext cx="2949178" cy="3811588"/>
           </a:xfrm>
         </p:spPr>
         <p:txBody>
@@ -2294,46 +2292,46 @@
           <a:lstStyle>
             <a:lvl1pPr marL="0" indent="0">
               <a:buNone/>
-              <a:defRPr sz="1073"/>
+              <a:defRPr sz="1600"/>
             </a:lvl1pPr>
-            <a:lvl2pPr marL="306598" indent="0">
-              <a:buNone/>
-              <a:defRPr sz="939"/>
+            <a:lvl2pPr marL="457200" indent="0">
+              <a:buNone/>
+              <a:defRPr sz="1400"/>
             </a:lvl2pPr>
-            <a:lvl3pPr marL="613197" indent="0">
-              <a:buNone/>
-              <a:defRPr sz="805"/>
+            <a:lvl3pPr marL="914400" indent="0">
+              <a:buNone/>
+              <a:defRPr sz="1200"/>
             </a:lvl3pPr>
-            <a:lvl4pPr marL="919795" indent="0">
-              <a:buNone/>
-              <a:defRPr sz="671"/>
+            <a:lvl4pPr marL="1371600" indent="0">
+              <a:buNone/>
+              <a:defRPr sz="1000"/>
             </a:lvl4pPr>
-            <a:lvl5pPr marL="1226393" indent="0">
-              <a:buNone/>
-              <a:defRPr sz="671"/>
+            <a:lvl5pPr marL="1828800" indent="0">
+              <a:buNone/>
+              <a:defRPr sz="1000"/>
             </a:lvl5pPr>
-            <a:lvl6pPr marL="1532992" indent="0">
-              <a:buNone/>
-              <a:defRPr sz="671"/>
+            <a:lvl6pPr marL="2286000" indent="0">
+              <a:buNone/>
+              <a:defRPr sz="1000"/>
             </a:lvl6pPr>
-            <a:lvl7pPr marL="1839590" indent="0">
-              <a:buNone/>
-              <a:defRPr sz="671"/>
+            <a:lvl7pPr marL="2743200" indent="0">
+              <a:buNone/>
+              <a:defRPr sz="1000"/>
             </a:lvl7pPr>
-            <a:lvl8pPr marL="2146188" indent="0">
-              <a:buNone/>
-              <a:defRPr sz="671"/>
+            <a:lvl8pPr marL="3200400" indent="0">
+              <a:buNone/>
+              <a:defRPr sz="1000"/>
             </a:lvl8pPr>
-            <a:lvl9pPr marL="2452787" indent="0">
-              <a:buNone/>
-              <a:defRPr sz="671"/>
+            <a:lvl9pPr marL="3657600" indent="0">
+              <a:buNone/>
+              <a:defRPr sz="1000"/>
             </a:lvl9pPr>
           </a:lstStyle>
           <a:p>
             <a:pPr lvl="0"/>
             <a:r>
               <a:rPr lang="en-US"/>
-              <a:t>Edit Master text styles</a:t>
+              <a:t>Click to edit Master text styles</a:t>
             </a:r>
           </a:p>
         </p:txBody>
@@ -2353,9 +2351,9 @@
           <a:bodyPr/>
           <a:lstStyle/>
           <a:p>
-            <a:fld id="{7F5B0D31-1ADB-4B4E-ACBB-720D5B718FAA}" type="datetimeFigureOut">
+            <a:fld id="{BBE91FCD-5F32-4893-87F4-18E5763C05BB}" type="datetimeFigureOut">
               <a:rPr lang="en-US" smtClean="0"/>
-              <a:t>11/3/2022</a:t>
+              <a:t>11/13/2022</a:t>
             </a:fld>
             <a:endParaRPr lang="en-US"/>
           </a:p>
@@ -2395,7 +2393,7 @@
           <a:bodyPr/>
           <a:lstStyle/>
           <a:p>
-            <a:fld id="{EFEC1622-8CC9-4F00-80C4-DFC570F6CBD0}" type="slidenum">
+            <a:fld id="{B97B9177-721B-4D9E-8370-F7DE891ADD74}" type="slidenum">
               <a:rPr lang="en-US" smtClean="0"/>
               <a:t>‹#›</a:t>
             </a:fld>
@@ -2406,7 +2404,7 @@
     </p:spTree>
     <p:extLst>
       <p:ext uri="{BB962C8B-B14F-4D97-AF65-F5344CB8AC3E}">
-        <p14:creationId xmlns:p14="http://schemas.microsoft.com/office/powerpoint/2010/main" val="393558849"/>
+        <p14:creationId xmlns:p14="http://schemas.microsoft.com/office/powerpoint/2010/main" val="2895228361"/>
       </p:ext>
     </p:extLst>
   </p:cSld>
@@ -2450,8 +2448,8 @@
         </p:nvSpPr>
         <p:spPr>
           <a:xfrm>
-            <a:off x="778282" y="244854"/>
-            <a:ext cx="9763899" cy="888925"/>
+            <a:off x="628650" y="365126"/>
+            <a:ext cx="7886700" cy="1325563"/>
           </a:xfrm>
           <a:prstGeom prst="rect">
             <a:avLst/>
@@ -2483,8 +2481,8 @@
         </p:nvSpPr>
         <p:spPr>
           <a:xfrm>
-            <a:off x="778282" y="1224267"/>
-            <a:ext cx="9763899" cy="2918016"/>
+            <a:off x="628650" y="1825625"/>
+            <a:ext cx="7886700" cy="4351338"/>
           </a:xfrm>
           <a:prstGeom prst="rect">
             <a:avLst/>
@@ -2499,7 +2497,7 @@
             <a:pPr lvl="0"/>
             <a:r>
               <a:rPr lang="en-US"/>
-              <a:t>Edit Master text styles</a:t>
+              <a:t>Click to edit Master text styles</a:t>
             </a:r>
           </a:p>
           <a:p>
@@ -2545,8 +2543,8 @@
         </p:nvSpPr>
         <p:spPr>
           <a:xfrm>
-            <a:off x="778282" y="4262581"/>
-            <a:ext cx="2547104" cy="244854"/>
+            <a:off x="628650" y="6356351"/>
+            <a:ext cx="2057400" cy="365125"/>
           </a:xfrm>
           <a:prstGeom prst="rect">
             <a:avLst/>
@@ -2556,7 +2554,7 @@
           <a:bodyPr vert="horz" lIns="91440" tIns="45720" rIns="91440" bIns="45720" rtlCol="0" anchor="ctr"/>
           <a:lstStyle>
             <a:lvl1pPr algn="l">
-              <a:defRPr sz="805">
+              <a:defRPr sz="1200">
                 <a:solidFill>
                   <a:schemeClr val="tx1">
                     <a:tint val="75000"/>
@@ -2566,9 +2564,9 @@
             </a:lvl1pPr>
           </a:lstStyle>
           <a:p>
-            <a:fld id="{7F5B0D31-1ADB-4B4E-ACBB-720D5B718FAA}" type="datetimeFigureOut">
+            <a:fld id="{BBE91FCD-5F32-4893-87F4-18E5763C05BB}" type="datetimeFigureOut">
               <a:rPr lang="en-US" smtClean="0"/>
-              <a:t>11/3/2022</a:t>
+              <a:t>11/13/2022</a:t>
             </a:fld>
             <a:endParaRPr lang="en-US"/>
           </a:p>
@@ -2586,8 +2584,8 @@
         </p:nvSpPr>
         <p:spPr>
           <a:xfrm>
-            <a:off x="3749904" y="4262581"/>
-            <a:ext cx="3820656" cy="244854"/>
+            <a:off x="3028950" y="6356351"/>
+            <a:ext cx="3086100" cy="365125"/>
           </a:xfrm>
           <a:prstGeom prst="rect">
             <a:avLst/>
@@ -2597,7 +2595,7 @@
           <a:bodyPr vert="horz" lIns="91440" tIns="45720" rIns="91440" bIns="45720" rtlCol="0" anchor="ctr"/>
           <a:lstStyle>
             <a:lvl1pPr algn="ctr">
-              <a:defRPr sz="805">
+              <a:defRPr sz="1200">
                 <a:solidFill>
                   <a:schemeClr val="tx1">
                     <a:tint val="75000"/>
@@ -2623,8 +2621,8 @@
         </p:nvSpPr>
         <p:spPr>
           <a:xfrm>
-            <a:off x="7995077" y="4262581"/>
-            <a:ext cx="2547104" cy="244854"/>
+            <a:off x="6457950" y="6356351"/>
+            <a:ext cx="2057400" cy="365125"/>
           </a:xfrm>
           <a:prstGeom prst="rect">
             <a:avLst/>
@@ -2634,7 +2632,7 @@
           <a:bodyPr vert="horz" lIns="91440" tIns="45720" rIns="91440" bIns="45720" rtlCol="0" anchor="ctr"/>
           <a:lstStyle>
             <a:lvl1pPr algn="r">
-              <a:defRPr sz="805">
+              <a:defRPr sz="1200">
                 <a:solidFill>
                   <a:schemeClr val="tx1">
                     <a:tint val="75000"/>
@@ -2644,7 +2642,7 @@
             </a:lvl1pPr>
           </a:lstStyle>
           <a:p>
-            <a:fld id="{EFEC1622-8CC9-4F00-80C4-DFC570F6CBD0}" type="slidenum">
+            <a:fld id="{B97B9177-721B-4D9E-8370-F7DE891ADD74}" type="slidenum">
               <a:rPr lang="en-US" smtClean="0"/>
               <a:t>‹#›</a:t>
             </a:fld>
@@ -2655,27 +2653,27 @@
     </p:spTree>
     <p:extLst>
       <p:ext uri="{BB962C8B-B14F-4D97-AF65-F5344CB8AC3E}">
-        <p14:creationId xmlns:p14="http://schemas.microsoft.com/office/powerpoint/2010/main" val="3515061079"/>
+        <p14:creationId xmlns:p14="http://schemas.microsoft.com/office/powerpoint/2010/main" val="1411106429"/>
       </p:ext>
     </p:extLst>
   </p:cSld>
   <p:clrMap bg1="lt1" tx1="dk1" bg2="lt2" tx2="dk2" accent1="accent1" accent2="accent2" accent3="accent3" accent4="accent4" accent5="accent5" accent6="accent6" hlink="hlink" folHlink="folHlink"/>
   <p:sldLayoutIdLst>
-    <p:sldLayoutId id="2147483661" r:id="rId1"/>
-    <p:sldLayoutId id="2147483662" r:id="rId2"/>
-    <p:sldLayoutId id="2147483663" r:id="rId3"/>
-    <p:sldLayoutId id="2147483664" r:id="rId4"/>
-    <p:sldLayoutId id="2147483665" r:id="rId5"/>
-    <p:sldLayoutId id="2147483666" r:id="rId6"/>
-    <p:sldLayoutId id="2147483667" r:id="rId7"/>
-    <p:sldLayoutId id="2147483668" r:id="rId8"/>
-    <p:sldLayoutId id="2147483669" r:id="rId9"/>
-    <p:sldLayoutId id="2147483670" r:id="rId10"/>
-    <p:sldLayoutId id="2147483671" r:id="rId11"/>
+    <p:sldLayoutId id="2147483685" r:id="rId1"/>
+    <p:sldLayoutId id="2147483686" r:id="rId2"/>
+    <p:sldLayoutId id="2147483687" r:id="rId3"/>
+    <p:sldLayoutId id="2147483688" r:id="rId4"/>
+    <p:sldLayoutId id="2147483689" r:id="rId5"/>
+    <p:sldLayoutId id="2147483690" r:id="rId6"/>
+    <p:sldLayoutId id="2147483691" r:id="rId7"/>
+    <p:sldLayoutId id="2147483692" r:id="rId8"/>
+    <p:sldLayoutId id="2147483693" r:id="rId9"/>
+    <p:sldLayoutId id="2147483694" r:id="rId10"/>
+    <p:sldLayoutId id="2147483695" r:id="rId11"/>
   </p:sldLayoutIdLst>
   <p:txStyles>
     <p:titleStyle>
-      <a:lvl1pPr algn="l" defTabSz="613197" rtl="0" eaLnBrk="1" latinLnBrk="0" hangingPunct="1">
+      <a:lvl1pPr algn="l" defTabSz="914400" rtl="0" eaLnBrk="1" latinLnBrk="0" hangingPunct="1">
         <a:lnSpc>
           <a:spcPct val="90000"/>
         </a:lnSpc>
@@ -2683,7 +2681,7 @@
           <a:spcPct val="0"/>
         </a:spcBef>
         <a:buNone/>
-        <a:defRPr sz="2951" kern="1200">
+        <a:defRPr sz="4400" kern="1200">
           <a:solidFill>
             <a:schemeClr val="tx1"/>
           </a:solidFill>
@@ -2694,16 +2692,16 @@
       </a:lvl1pPr>
     </p:titleStyle>
     <p:bodyStyle>
-      <a:lvl1pPr marL="153299" indent="-153299" algn="l" defTabSz="613197" rtl="0" eaLnBrk="1" latinLnBrk="0" hangingPunct="1">
+      <a:lvl1pPr marL="228600" indent="-228600" algn="l" defTabSz="914400" rtl="0" eaLnBrk="1" latinLnBrk="0" hangingPunct="1">
         <a:lnSpc>
           <a:spcPct val="90000"/>
         </a:lnSpc>
         <a:spcBef>
-          <a:spcPts val="671"/>
+          <a:spcPts val="1000"/>
         </a:spcBef>
         <a:buFont typeface="Arial" panose="020B0604020202020204" pitchFamily="34" charset="0"/>
         <a:buChar char="•"/>
-        <a:defRPr sz="1878" kern="1200">
+        <a:defRPr sz="2800" kern="1200">
           <a:solidFill>
             <a:schemeClr val="tx1"/>
           </a:solidFill>
@@ -2712,16 +2710,16 @@
           <a:cs typeface="+mn-cs"/>
         </a:defRPr>
       </a:lvl1pPr>
-      <a:lvl2pPr marL="459897" indent="-153299" algn="l" defTabSz="613197" rtl="0" eaLnBrk="1" latinLnBrk="0" hangingPunct="1">
+      <a:lvl2pPr marL="685800" indent="-228600" algn="l" defTabSz="914400" rtl="0" eaLnBrk="1" latinLnBrk="0" hangingPunct="1">
         <a:lnSpc>
           <a:spcPct val="90000"/>
         </a:lnSpc>
         <a:spcBef>
-          <a:spcPts val="335"/>
+          <a:spcPts val="500"/>
         </a:spcBef>
         <a:buFont typeface="Arial" panose="020B0604020202020204" pitchFamily="34" charset="0"/>
         <a:buChar char="•"/>
-        <a:defRPr sz="1609" kern="1200">
+        <a:defRPr sz="2400" kern="1200">
           <a:solidFill>
             <a:schemeClr val="tx1"/>
           </a:solidFill>
@@ -2730,16 +2728,16 @@
           <a:cs typeface="+mn-cs"/>
         </a:defRPr>
       </a:lvl2pPr>
-      <a:lvl3pPr marL="766496" indent="-153299" algn="l" defTabSz="613197" rtl="0" eaLnBrk="1" latinLnBrk="0" hangingPunct="1">
+      <a:lvl3pPr marL="1143000" indent="-228600" algn="l" defTabSz="914400" rtl="0" eaLnBrk="1" latinLnBrk="0" hangingPunct="1">
         <a:lnSpc>
           <a:spcPct val="90000"/>
         </a:lnSpc>
         <a:spcBef>
-          <a:spcPts val="335"/>
+          <a:spcPts val="500"/>
         </a:spcBef>
         <a:buFont typeface="Arial" panose="020B0604020202020204" pitchFamily="34" charset="0"/>
         <a:buChar char="•"/>
-        <a:defRPr sz="1341" kern="1200">
+        <a:defRPr sz="2000" kern="1200">
           <a:solidFill>
             <a:schemeClr val="tx1"/>
           </a:solidFill>
@@ -2748,16 +2746,16 @@
           <a:cs typeface="+mn-cs"/>
         </a:defRPr>
       </a:lvl3pPr>
-      <a:lvl4pPr marL="1073094" indent="-153299" algn="l" defTabSz="613197" rtl="0" eaLnBrk="1" latinLnBrk="0" hangingPunct="1">
+      <a:lvl4pPr marL="1600200" indent="-228600" algn="l" defTabSz="914400" rtl="0" eaLnBrk="1" latinLnBrk="0" hangingPunct="1">
         <a:lnSpc>
           <a:spcPct val="90000"/>
         </a:lnSpc>
         <a:spcBef>
-          <a:spcPts val="335"/>
+          <a:spcPts val="500"/>
         </a:spcBef>
         <a:buFont typeface="Arial" panose="020B0604020202020204" pitchFamily="34" charset="0"/>
         <a:buChar char="•"/>
-        <a:defRPr sz="1207" kern="1200">
+        <a:defRPr sz="1800" kern="1200">
           <a:solidFill>
             <a:schemeClr val="tx1"/>
           </a:solidFill>
@@ -2766,16 +2764,16 @@
           <a:cs typeface="+mn-cs"/>
         </a:defRPr>
       </a:lvl4pPr>
-      <a:lvl5pPr marL="1379692" indent="-153299" algn="l" defTabSz="613197" rtl="0" eaLnBrk="1" latinLnBrk="0" hangingPunct="1">
+      <a:lvl5pPr marL="2057400" indent="-228600" algn="l" defTabSz="914400" rtl="0" eaLnBrk="1" latinLnBrk="0" hangingPunct="1">
         <a:lnSpc>
           <a:spcPct val="90000"/>
         </a:lnSpc>
         <a:spcBef>
-          <a:spcPts val="335"/>
+          <a:spcPts val="500"/>
         </a:spcBef>
         <a:buFont typeface="Arial" panose="020B0604020202020204" pitchFamily="34" charset="0"/>
         <a:buChar char="•"/>
-        <a:defRPr sz="1207" kern="1200">
+        <a:defRPr sz="1800" kern="1200">
           <a:solidFill>
             <a:schemeClr val="tx1"/>
           </a:solidFill>
@@ -2784,16 +2782,16 @@
           <a:cs typeface="+mn-cs"/>
         </a:defRPr>
       </a:lvl5pPr>
-      <a:lvl6pPr marL="1686291" indent="-153299" algn="l" defTabSz="613197" rtl="0" eaLnBrk="1" latinLnBrk="0" hangingPunct="1">
+      <a:lvl6pPr marL="2514600" indent="-228600" algn="l" defTabSz="914400" rtl="0" eaLnBrk="1" latinLnBrk="0" hangingPunct="1">
         <a:lnSpc>
           <a:spcPct val="90000"/>
         </a:lnSpc>
         <a:spcBef>
-          <a:spcPts val="335"/>
+          <a:spcPts val="500"/>
         </a:spcBef>
         <a:buFont typeface="Arial" panose="020B0604020202020204" pitchFamily="34" charset="0"/>
         <a:buChar char="•"/>
-        <a:defRPr sz="1207" kern="1200">
+        <a:defRPr sz="1800" kern="1200">
           <a:solidFill>
             <a:schemeClr val="tx1"/>
           </a:solidFill>
@@ -2802,16 +2800,16 @@
           <a:cs typeface="+mn-cs"/>
         </a:defRPr>
       </a:lvl6pPr>
-      <a:lvl7pPr marL="1992889" indent="-153299" algn="l" defTabSz="613197" rtl="0" eaLnBrk="1" latinLnBrk="0" hangingPunct="1">
+      <a:lvl7pPr marL="2971800" indent="-228600" algn="l" defTabSz="914400" rtl="0" eaLnBrk="1" latinLnBrk="0" hangingPunct="1">
         <a:lnSpc>
           <a:spcPct val="90000"/>
         </a:lnSpc>
         <a:spcBef>
-          <a:spcPts val="335"/>
+          <a:spcPts val="500"/>
         </a:spcBef>
         <a:buFont typeface="Arial" panose="020B0604020202020204" pitchFamily="34" charset="0"/>
         <a:buChar char="•"/>
-        <a:defRPr sz="1207" kern="1200">
+        <a:defRPr sz="1800" kern="1200">
           <a:solidFill>
             <a:schemeClr val="tx1"/>
           </a:solidFill>
@@ -2820,16 +2818,16 @@
           <a:cs typeface="+mn-cs"/>
         </a:defRPr>
       </a:lvl7pPr>
-      <a:lvl8pPr marL="2299487" indent="-153299" algn="l" defTabSz="613197" rtl="0" eaLnBrk="1" latinLnBrk="0" hangingPunct="1">
+      <a:lvl8pPr marL="3429000" indent="-228600" algn="l" defTabSz="914400" rtl="0" eaLnBrk="1" latinLnBrk="0" hangingPunct="1">
         <a:lnSpc>
           <a:spcPct val="90000"/>
         </a:lnSpc>
         <a:spcBef>
-          <a:spcPts val="335"/>
+          <a:spcPts val="500"/>
         </a:spcBef>
         <a:buFont typeface="Arial" panose="020B0604020202020204" pitchFamily="34" charset="0"/>
         <a:buChar char="•"/>
-        <a:defRPr sz="1207" kern="1200">
+        <a:defRPr sz="1800" kern="1200">
           <a:solidFill>
             <a:schemeClr val="tx1"/>
           </a:solidFill>
@@ -2838,16 +2836,16 @@
           <a:cs typeface="+mn-cs"/>
         </a:defRPr>
       </a:lvl8pPr>
-      <a:lvl9pPr marL="2606086" indent="-153299" algn="l" defTabSz="613197" rtl="0" eaLnBrk="1" latinLnBrk="0" hangingPunct="1">
+      <a:lvl9pPr marL="3886200" indent="-228600" algn="l" defTabSz="914400" rtl="0" eaLnBrk="1" latinLnBrk="0" hangingPunct="1">
         <a:lnSpc>
           <a:spcPct val="90000"/>
         </a:lnSpc>
         <a:spcBef>
-          <a:spcPts val="335"/>
+          <a:spcPts val="500"/>
         </a:spcBef>
         <a:buFont typeface="Arial" panose="020B0604020202020204" pitchFamily="34" charset="0"/>
         <a:buChar char="•"/>
-        <a:defRPr sz="1207" kern="1200">
+        <a:defRPr sz="1800" kern="1200">
           <a:solidFill>
             <a:schemeClr val="tx1"/>
           </a:solidFill>
@@ -2861,8 +2859,8 @@
       <a:defPPr>
         <a:defRPr lang="en-US"/>
       </a:defPPr>
-      <a:lvl1pPr marL="0" algn="l" defTabSz="613197" rtl="0" eaLnBrk="1" latinLnBrk="0" hangingPunct="1">
-        <a:defRPr sz="1207" kern="1200">
+      <a:lvl1pPr marL="0" algn="l" defTabSz="914400" rtl="0" eaLnBrk="1" latinLnBrk="0" hangingPunct="1">
+        <a:defRPr sz="1800" kern="1200">
           <a:solidFill>
             <a:schemeClr val="tx1"/>
           </a:solidFill>
@@ -2871,8 +2869,8 @@
           <a:cs typeface="+mn-cs"/>
         </a:defRPr>
       </a:lvl1pPr>
-      <a:lvl2pPr marL="306598" algn="l" defTabSz="613197" rtl="0" eaLnBrk="1" latinLnBrk="0" hangingPunct="1">
-        <a:defRPr sz="1207" kern="1200">
+      <a:lvl2pPr marL="457200" algn="l" defTabSz="914400" rtl="0" eaLnBrk="1" latinLnBrk="0" hangingPunct="1">
+        <a:defRPr sz="1800" kern="1200">
           <a:solidFill>
             <a:schemeClr val="tx1"/>
           </a:solidFill>
@@ -2881,8 +2879,8 @@
           <a:cs typeface="+mn-cs"/>
         </a:defRPr>
       </a:lvl2pPr>
-      <a:lvl3pPr marL="613197" algn="l" defTabSz="613197" rtl="0" eaLnBrk="1" latinLnBrk="0" hangingPunct="1">
-        <a:defRPr sz="1207" kern="1200">
+      <a:lvl3pPr marL="914400" algn="l" defTabSz="914400" rtl="0" eaLnBrk="1" latinLnBrk="0" hangingPunct="1">
+        <a:defRPr sz="1800" kern="1200">
           <a:solidFill>
             <a:schemeClr val="tx1"/>
           </a:solidFill>
@@ -2891,8 +2889,8 @@
           <a:cs typeface="+mn-cs"/>
         </a:defRPr>
       </a:lvl3pPr>
-      <a:lvl4pPr marL="919795" algn="l" defTabSz="613197" rtl="0" eaLnBrk="1" latinLnBrk="0" hangingPunct="1">
-        <a:defRPr sz="1207" kern="1200">
+      <a:lvl4pPr marL="1371600" algn="l" defTabSz="914400" rtl="0" eaLnBrk="1" latinLnBrk="0" hangingPunct="1">
+        <a:defRPr sz="1800" kern="1200">
           <a:solidFill>
             <a:schemeClr val="tx1"/>
           </a:solidFill>
@@ -2901,8 +2899,8 @@
           <a:cs typeface="+mn-cs"/>
         </a:defRPr>
       </a:lvl4pPr>
-      <a:lvl5pPr marL="1226393" algn="l" defTabSz="613197" rtl="0" eaLnBrk="1" latinLnBrk="0" hangingPunct="1">
-        <a:defRPr sz="1207" kern="1200">
+      <a:lvl5pPr marL="1828800" algn="l" defTabSz="914400" rtl="0" eaLnBrk="1" latinLnBrk="0" hangingPunct="1">
+        <a:defRPr sz="1800" kern="1200">
           <a:solidFill>
             <a:schemeClr val="tx1"/>
           </a:solidFill>
@@ -2911,8 +2909,8 @@
           <a:cs typeface="+mn-cs"/>
         </a:defRPr>
       </a:lvl5pPr>
-      <a:lvl6pPr marL="1532992" algn="l" defTabSz="613197" rtl="0" eaLnBrk="1" latinLnBrk="0" hangingPunct="1">
-        <a:defRPr sz="1207" kern="1200">
+      <a:lvl6pPr marL="2286000" algn="l" defTabSz="914400" rtl="0" eaLnBrk="1" latinLnBrk="0" hangingPunct="1">
+        <a:defRPr sz="1800" kern="1200">
           <a:solidFill>
             <a:schemeClr val="tx1"/>
           </a:solidFill>
@@ -2921,8 +2919,8 @@
           <a:cs typeface="+mn-cs"/>
         </a:defRPr>
       </a:lvl6pPr>
-      <a:lvl7pPr marL="1839590" algn="l" defTabSz="613197" rtl="0" eaLnBrk="1" latinLnBrk="0" hangingPunct="1">
-        <a:defRPr sz="1207" kern="1200">
+      <a:lvl7pPr marL="2743200" algn="l" defTabSz="914400" rtl="0" eaLnBrk="1" latinLnBrk="0" hangingPunct="1">
+        <a:defRPr sz="1800" kern="1200">
           <a:solidFill>
             <a:schemeClr val="tx1"/>
           </a:solidFill>
@@ -2931,8 +2929,8 @@
           <a:cs typeface="+mn-cs"/>
         </a:defRPr>
       </a:lvl7pPr>
-      <a:lvl8pPr marL="2146188" algn="l" defTabSz="613197" rtl="0" eaLnBrk="1" latinLnBrk="0" hangingPunct="1">
-        <a:defRPr sz="1207" kern="1200">
+      <a:lvl8pPr marL="3200400" algn="l" defTabSz="914400" rtl="0" eaLnBrk="1" latinLnBrk="0" hangingPunct="1">
+        <a:defRPr sz="1800" kern="1200">
           <a:solidFill>
             <a:schemeClr val="tx1"/>
           </a:solidFill>
@@ -2941,8 +2939,8 @@
           <a:cs typeface="+mn-cs"/>
         </a:defRPr>
       </a:lvl8pPr>
-      <a:lvl9pPr marL="2452787" algn="l" defTabSz="613197" rtl="0" eaLnBrk="1" latinLnBrk="0" hangingPunct="1">
-        <a:defRPr sz="1207" kern="1200">
+      <a:lvl9pPr marL="3657600" algn="l" defTabSz="914400" rtl="0" eaLnBrk="1" latinLnBrk="0" hangingPunct="1">
+        <a:defRPr sz="1800" kern="1200">
           <a:solidFill>
             <a:schemeClr val="tx1"/>
           </a:solidFill>
@@ -2975,10 +2973,10 @@
       </p:grpSpPr>
       <p:pic>
         <p:nvPicPr>
-          <p:cNvPr id="4" name="Picture 3" descr="A picture containing text, indoor&#10;&#10;Description automatically generated">
+          <p:cNvPr id="2" name="Picture 1">
             <a:extLst>
               <a:ext uri="{FF2B5EF4-FFF2-40B4-BE49-F238E27FC236}">
-                <a16:creationId xmlns:a16="http://schemas.microsoft.com/office/drawing/2014/main" id="{6801CDA7-C251-4D6C-8DB4-3CD6DAABE5D8}"/>
+                <a16:creationId xmlns:a16="http://schemas.microsoft.com/office/drawing/2014/main" id="{73D39D67-F7D4-BD23-8C8A-6178F62CC83E}"/>
               </a:ext>
             </a:extLst>
           </p:cNvPr>
@@ -2987,15 +2985,21 @@
           </p:cNvPicPr>
           <p:nvPr/>
         </p:nvPicPr>
-        <p:blipFill rotWithShape="1">
-          <a:blip r:embed="rId2"/>
-          <a:srcRect l="1426"/>
+        <p:blipFill>
+          <a:blip r:embed="rId2">
+            <a:extLst>
+              <a:ext uri="{28A0092B-C50C-407E-A947-70E740481C1C}">
+                <a14:useLocalDpi xmlns:a14="http://schemas.microsoft.com/office/drawing/2010/main" val="0"/>
+              </a:ext>
+            </a:extLst>
+          </a:blip>
+          <a:srcRect t="309" b="309"/>
           <a:stretch/>
         </p:blipFill>
         <p:spPr>
           <a:xfrm>
-            <a:off x="-1" y="-1"/>
-            <a:ext cx="11320463" cy="4600059"/>
+            <a:off x="0" y="0"/>
+            <a:ext cx="9144000" cy="6858000"/>
           </a:xfrm>
           <a:prstGeom prst="rect">
             <a:avLst/>
@@ -3007,7 +3011,7 @@
           <p:cNvPr id="3" name="TextBox 2">
             <a:extLst>
               <a:ext uri="{FF2B5EF4-FFF2-40B4-BE49-F238E27FC236}">
-                <a16:creationId xmlns:a16="http://schemas.microsoft.com/office/drawing/2014/main" id="{B247B9B9-D212-483A-A295-36A91EB1C6E1}"/>
+                <a16:creationId xmlns:a16="http://schemas.microsoft.com/office/drawing/2014/main" id="{9C88A7A6-4418-9734-86C4-0F600083CA10}"/>
               </a:ext>
             </a:extLst>
           </p:cNvPr>
@@ -3016,13 +3020,15 @@
         </p:nvSpPr>
         <p:spPr>
           <a:xfrm>
-            <a:off x="2271432" y="2059075"/>
-            <a:ext cx="1359243" cy="307777"/>
+            <a:off x="1028700" y="806450"/>
+            <a:ext cx="1219200" cy="369332"/>
           </a:xfrm>
           <a:prstGeom prst="rect">
             <a:avLst/>
           </a:prstGeom>
-          <a:noFill/>
+          <a:solidFill>
+            <a:schemeClr val="bg1"/>
+          </a:solidFill>
         </p:spPr>
         <p:txBody>
           <a:bodyPr wrap="square" rtlCol="0">
@@ -3030,58 +3036,212 @@
           </a:bodyPr>
           <a:lstStyle/>
           <a:p>
-            <a:pPr algn="ctr"/>
-            <a:r>
-              <a:rPr lang="en-US" sz="1400" dirty="0">
-                <a:solidFill>
-                  <a:srgbClr val="FF0000"/>
-                </a:solidFill>
+            <a:r>
+              <a:rPr lang="en-US" dirty="0">
                 <a:latin typeface="Arial" panose="020B0604020202020204" pitchFamily="34" charset="0"/>
                 <a:cs typeface="Arial" panose="020B0604020202020204" pitchFamily="34" charset="0"/>
               </a:rPr>
-              <a:t>Initial Chunk</a:t>
-            </a:r>
-          </a:p>
-        </p:txBody>
-      </p:sp>
-      <p:cxnSp>
-        <p:nvCxnSpPr>
-          <p:cNvPr id="5" name="Straight Arrow Connector 4">
+              <a:t>Chunk 1</a:t>
+            </a:r>
+          </a:p>
+        </p:txBody>
+      </p:sp>
+      <p:sp>
+        <p:nvSpPr>
+          <p:cNvPr id="4" name="TextBox 3">
             <a:extLst>
               <a:ext uri="{FF2B5EF4-FFF2-40B4-BE49-F238E27FC236}">
-                <a16:creationId xmlns:a16="http://schemas.microsoft.com/office/drawing/2014/main" id="{430C37A4-D0F6-4A10-BB5E-47D5FE7AE40E}"/>
+                <a16:creationId xmlns:a16="http://schemas.microsoft.com/office/drawing/2014/main" id="{B90FD2F4-4805-FFCD-D697-232080A65DE5}"/>
               </a:ext>
             </a:extLst>
           </p:cNvPr>
-          <p:cNvCxnSpPr>
-            <a:cxnSpLocks/>
-          </p:cNvCxnSpPr>
+          <p:cNvSpPr txBox="1"/>
+          <p:nvPr/>
+        </p:nvSpPr>
+        <p:spPr>
+          <a:xfrm>
+            <a:off x="5334000" y="368300"/>
+            <a:ext cx="1219200" cy="369332"/>
+          </a:xfrm>
+          <a:prstGeom prst="rect">
+            <a:avLst/>
+          </a:prstGeom>
+          <a:solidFill>
+            <a:schemeClr val="bg1"/>
+          </a:solidFill>
+        </p:spPr>
+        <p:txBody>
+          <a:bodyPr wrap="square" rtlCol="0">
+            <a:spAutoFit/>
+          </a:bodyPr>
+          <a:lstStyle/>
+          <a:p>
+            <a:pPr algn="ctr"/>
+            <a:r>
+              <a:rPr lang="en-US" dirty="0">
+                <a:latin typeface="Arial" panose="020B0604020202020204" pitchFamily="34" charset="0"/>
+                <a:cs typeface="Arial" panose="020B0604020202020204" pitchFamily="34" charset="0"/>
+              </a:rPr>
+              <a:t>Chunk 2</a:t>
+            </a:r>
+          </a:p>
+        </p:txBody>
+      </p:sp>
+      <p:sp>
+        <p:nvSpPr>
+          <p:cNvPr id="6" name="TextBox 5">
+            <a:extLst>
+              <a:ext uri="{FF2B5EF4-FFF2-40B4-BE49-F238E27FC236}">
+                <a16:creationId xmlns:a16="http://schemas.microsoft.com/office/drawing/2014/main" id="{A3C32F6F-BFFB-2DD4-C64A-91CC0416CD57}"/>
+              </a:ext>
+            </a:extLst>
+          </p:cNvPr>
+          <p:cNvSpPr txBox="1"/>
+          <p:nvPr/>
+        </p:nvSpPr>
+        <p:spPr>
+          <a:xfrm>
+            <a:off x="2393950" y="368300"/>
+            <a:ext cx="1993900" cy="369332"/>
+          </a:xfrm>
+          <a:prstGeom prst="rect">
+            <a:avLst/>
+          </a:prstGeom>
+          <a:solidFill>
+            <a:schemeClr val="bg1"/>
+          </a:solidFill>
+        </p:spPr>
+        <p:txBody>
+          <a:bodyPr wrap="square" rtlCol="0">
+            <a:spAutoFit/>
+          </a:bodyPr>
+          <a:lstStyle/>
+          <a:p>
+            <a:pPr algn="ctr"/>
+            <a:r>
+              <a:rPr lang="en-US" dirty="0">
+                <a:latin typeface="Arial" panose="020B0604020202020204" pitchFamily="34" charset="0"/>
+                <a:cs typeface="Arial" panose="020B0604020202020204" pitchFamily="34" charset="0"/>
+              </a:rPr>
+              <a:t>Chunking Plane</a:t>
+            </a:r>
+          </a:p>
+        </p:txBody>
+      </p:sp>
+      <p:sp>
+        <p:nvSpPr>
+          <p:cNvPr id="7" name="TextBox 6">
+            <a:extLst>
+              <a:ext uri="{FF2B5EF4-FFF2-40B4-BE49-F238E27FC236}">
+                <a16:creationId xmlns:a16="http://schemas.microsoft.com/office/drawing/2014/main" id="{DE8E30A9-6951-1089-890A-81B212C7BB18}"/>
+              </a:ext>
+            </a:extLst>
+          </p:cNvPr>
+          <p:cNvSpPr txBox="1"/>
+          <p:nvPr/>
+        </p:nvSpPr>
+        <p:spPr>
+          <a:xfrm>
+            <a:off x="1371600" y="4991100"/>
+            <a:ext cx="1219200" cy="369332"/>
+          </a:xfrm>
+          <a:prstGeom prst="rect">
+            <a:avLst/>
+          </a:prstGeom>
+          <a:solidFill>
+            <a:schemeClr val="bg1"/>
+          </a:solidFill>
+        </p:spPr>
+        <p:txBody>
+          <a:bodyPr wrap="square" rtlCol="0">
+            <a:spAutoFit/>
+          </a:bodyPr>
+          <a:lstStyle/>
+          <a:p>
+            <a:r>
+              <a:rPr lang="en-US" dirty="0">
+                <a:latin typeface="Arial" panose="020B0604020202020204" pitchFamily="34" charset="0"/>
+                <a:cs typeface="Arial" panose="020B0604020202020204" pitchFamily="34" charset="0"/>
+              </a:rPr>
+              <a:t>Chunk 1</a:t>
+            </a:r>
+          </a:p>
+        </p:txBody>
+      </p:sp>
+      <p:sp>
+        <p:nvSpPr>
+          <p:cNvPr id="8" name="TextBox 7">
+            <a:extLst>
+              <a:ext uri="{FF2B5EF4-FFF2-40B4-BE49-F238E27FC236}">
+                <a16:creationId xmlns:a16="http://schemas.microsoft.com/office/drawing/2014/main" id="{1712E167-7E73-DDA5-89DF-6F77971D9507}"/>
+              </a:ext>
+            </a:extLst>
+          </p:cNvPr>
+          <p:cNvSpPr txBox="1"/>
+          <p:nvPr/>
+        </p:nvSpPr>
+        <p:spPr>
+          <a:xfrm>
+            <a:off x="6553200" y="4991100"/>
+            <a:ext cx="1219200" cy="369332"/>
+          </a:xfrm>
+          <a:prstGeom prst="rect">
+            <a:avLst/>
+          </a:prstGeom>
+          <a:solidFill>
+            <a:schemeClr val="bg1"/>
+          </a:solidFill>
+        </p:spPr>
+        <p:txBody>
+          <a:bodyPr wrap="square" rtlCol="0">
+            <a:spAutoFit/>
+          </a:bodyPr>
+          <a:lstStyle/>
+          <a:p>
+            <a:pPr algn="ctr"/>
+            <a:r>
+              <a:rPr lang="en-US" dirty="0">
+                <a:latin typeface="Arial" panose="020B0604020202020204" pitchFamily="34" charset="0"/>
+                <a:cs typeface="Arial" panose="020B0604020202020204" pitchFamily="34" charset="0"/>
+              </a:rPr>
+              <a:t>Chunk 2</a:t>
+            </a:r>
+          </a:p>
+        </p:txBody>
+      </p:sp>
+      <p:cxnSp>
+        <p:nvCxnSpPr>
+          <p:cNvPr id="10" name="Straight Arrow Connector 9">
+            <a:extLst>
+              <a:ext uri="{FF2B5EF4-FFF2-40B4-BE49-F238E27FC236}">
+                <a16:creationId xmlns:a16="http://schemas.microsoft.com/office/drawing/2014/main" id="{8325884D-0D7A-89E6-187D-613EC92BDF7A}"/>
+              </a:ext>
+            </a:extLst>
+          </p:cNvPr>
+          <p:cNvCxnSpPr/>
           <p:nvPr/>
         </p:nvCxnSpPr>
         <p:spPr>
-          <a:xfrm flipH="1" flipV="1">
-            <a:off x="2772939" y="1873409"/>
-            <a:ext cx="140944" cy="294950"/>
+          <a:xfrm>
+            <a:off x="3390900" y="737632"/>
+            <a:ext cx="698500" cy="614918"/>
           </a:xfrm>
           <a:prstGeom prst="straightConnector1">
             <a:avLst/>
           </a:prstGeom>
           <a:ln>
-            <a:solidFill>
-              <a:srgbClr val="FF0000"/>
-            </a:solidFill>
             <a:tailEnd type="triangle"/>
           </a:ln>
         </p:spPr>
         <p:style>
           <a:lnRef idx="1">
-            <a:schemeClr val="accent1"/>
+            <a:schemeClr val="dk1"/>
           </a:lnRef>
           <a:fillRef idx="0">
-            <a:schemeClr val="accent1"/>
+            <a:schemeClr val="dk1"/>
           </a:fillRef>
           <a:effectRef idx="0">
-            <a:schemeClr val="accent1"/>
+            <a:schemeClr val="dk1"/>
           </a:effectRef>
           <a:fontRef idx="minor">
             <a:schemeClr val="tx1"/>
@@ -3091,7 +3251,7 @@
     </p:spTree>
     <p:extLst>
       <p:ext uri="{BB962C8B-B14F-4D97-AF65-F5344CB8AC3E}">
-        <p14:creationId xmlns:p14="http://schemas.microsoft.com/office/powerpoint/2010/main" val="685934396"/>
+        <p14:creationId xmlns:p14="http://schemas.microsoft.com/office/powerpoint/2010/main" val="2476699761"/>
       </p:ext>
     </p:extLst>
   </p:cSld>
